--- a/assets/lectures/cbw/2023/full/RNASeq_Module1_IntrotoRNA.pptx
+++ b/assets/lectures/cbw/2023/full/RNASeq_Module1_IntrotoRNA.pptx
@@ -977,14 +977,14 @@
           <a:noFill/>
           <a:extLst>
             <a:ext uri="{909E8E84-426E-40dd-AFC4-6F175D3DCCD1}">
-              <a14:hiddenFill xmlns="" xmlns:a14="http://schemas.microsoft.com/office/drawing/2010/main">
+              <a14:hiddenFill xmlns:a14="http://schemas.microsoft.com/office/drawing/2010/main" xmlns="">
                 <a:solidFill>
                   <a:srgbClr val="FFFFFF"/>
                 </a:solidFill>
               </a14:hiddenFill>
             </a:ext>
             <a:ext uri="{91240B29-F687-4f45-9708-019B960494DF}">
-              <a14:hiddenLine xmlns="" xmlns:a14="http://schemas.microsoft.com/office/drawing/2010/main" w="9525">
+              <a14:hiddenLine xmlns:a14="http://schemas.microsoft.com/office/drawing/2010/main" xmlns="" w="9525">
                 <a:solidFill>
                   <a:srgbClr val="000000"/>
                 </a:solidFill>
@@ -1148,7 +1148,7 @@
           </a:ln>
           <a:extLst>
             <a:ext uri="{FAA26D3D-D897-4be2-8F04-BA451C77F1D7}">
-              <ma14:placeholderFlag xmlns="" xmlns:ma14="http://schemas.microsoft.com/office/mac/drawingml/2011/main" val="1"/>
+              <ma14:placeholderFlag xmlns:ma14="http://schemas.microsoft.com/office/mac/drawingml/2011/main" xmlns="" val="1"/>
             </a:ext>
           </a:extLst>
         </p:spPr>
@@ -1177,7 +1177,7 @@
           </a:ln>
           <a:extLst>
             <a:ext uri="{FAA26D3D-D897-4be2-8F04-BA451C77F1D7}">
-              <ma14:placeholderFlag xmlns="" xmlns:ma14="http://schemas.microsoft.com/office/mac/drawingml/2011/main" val="1"/>
+              <ma14:placeholderFlag xmlns:ma14="http://schemas.microsoft.com/office/mac/drawingml/2011/main" xmlns="" val="1"/>
             </a:ext>
           </a:extLst>
         </p:spPr>
@@ -1242,14 +1242,14 @@
           <a:noFill/>
           <a:extLst>
             <a:ext uri="{909E8E84-426E-40dd-AFC4-6F175D3DCCD1}">
-              <a14:hiddenFill xmlns="" xmlns:a14="http://schemas.microsoft.com/office/drawing/2010/main">
+              <a14:hiddenFill xmlns:a14="http://schemas.microsoft.com/office/drawing/2010/main" xmlns="">
                 <a:solidFill>
                   <a:srgbClr val="FFFFFF"/>
                 </a:solidFill>
               </a14:hiddenFill>
             </a:ext>
             <a:ext uri="{91240B29-F687-4f45-9708-019B960494DF}">
-              <a14:hiddenLine xmlns="" xmlns:a14="http://schemas.microsoft.com/office/drawing/2010/main" w="9525">
+              <a14:hiddenLine xmlns:a14="http://schemas.microsoft.com/office/drawing/2010/main" xmlns="" w="9525">
                 <a:solidFill>
                   <a:srgbClr val="000000"/>
                 </a:solidFill>
@@ -1413,7 +1413,7 @@
           </a:ln>
           <a:extLst>
             <a:ext uri="{FAA26D3D-D897-4be2-8F04-BA451C77F1D7}">
-              <ma14:placeholderFlag xmlns="" xmlns:ma14="http://schemas.microsoft.com/office/mac/drawingml/2011/main" val="1"/>
+              <ma14:placeholderFlag xmlns:ma14="http://schemas.microsoft.com/office/mac/drawingml/2011/main" xmlns="" val="1"/>
             </a:ext>
           </a:extLst>
         </p:spPr>
@@ -1442,7 +1442,7 @@
           </a:ln>
           <a:extLst>
             <a:ext uri="{FAA26D3D-D897-4be2-8F04-BA451C77F1D7}">
-              <ma14:placeholderFlag xmlns="" xmlns:ma14="http://schemas.microsoft.com/office/mac/drawingml/2011/main" val="1"/>
+              <ma14:placeholderFlag xmlns:ma14="http://schemas.microsoft.com/office/mac/drawingml/2011/main" xmlns="" val="1"/>
             </a:ext>
           </a:extLst>
         </p:spPr>
@@ -2078,7 +2078,7 @@
             </a:r>
             <a:r>
               <a:rPr lang="en-US" dirty="0"/>
-              <a:t> but hard.  Single cell becomes more valuable depending on how heterogeneous your sample is, and important it is to understand the interaction between cells.</a:t>
+              <a:t> but hard.  Single cell becomes more valuable depending on how heterogeneous your sample is, and how important it is to understand the composition of cell types present and interaction between cells.</a:t>
             </a:r>
           </a:p>
           <a:p>
@@ -2096,7 +2096,7 @@
             </a:r>
             <a:r>
               <a:rPr lang="en-US" dirty="0"/>
-              <a:t> is giving a readout of more cells, way, way more cells</a:t>
+              <a:t> is giving a readout of more cells, way, way, way more cells</a:t>
             </a:r>
           </a:p>
           <a:p>
@@ -2114,7 +2114,7 @@
             </a:r>
             <a:r>
               <a:rPr lang="en-US" dirty="0"/>
-              <a:t> can robustly detect gene expressed at very low copy number per cell</a:t>
+              <a:t> can robustly detect gene expressed at a very low copy number per cell</a:t>
             </a:r>
           </a:p>
           <a:p>
@@ -2142,7 +2142,7 @@
             </a:pPr>
             <a:r>
               <a:rPr lang="en-US" dirty="0"/>
-              <a:t>Support of long read sequencing platforms is in the early stages for </a:t>
+              <a:t>Support of long read sequencing platforms is in the early stages for the </a:t>
             </a:r>
             <a:r>
               <a:rPr lang="en-US" dirty="0" err="1"/>
@@ -2577,14 +2577,14 @@
           </a:ln>
           <a:extLst>
             <a:ext uri="{909E8E84-426E-40dd-AFC4-6F175D3DCCD1}">
-              <a14:hiddenFill xmlns="" xmlns:a14="http://schemas.microsoft.com/office/drawing/2010/main">
+              <a14:hiddenFill xmlns:a14="http://schemas.microsoft.com/office/drawing/2010/main" xmlns="">
                 <a:solidFill>
                   <a:srgbClr val="FFFFFF"/>
                 </a:solidFill>
               </a14:hiddenFill>
             </a:ext>
             <a:ext uri="{FAA26D3D-D897-4be2-8F04-BA451C77F1D7}">
-              <ma14:placeholderFlag xmlns="" xmlns:ma14="http://schemas.microsoft.com/office/mac/drawingml/2011/main" val="1"/>
+              <ma14:placeholderFlag xmlns:ma14="http://schemas.microsoft.com/office/mac/drawingml/2011/main" xmlns="" val="1"/>
             </a:ext>
           </a:extLst>
         </p:spPr>
@@ -2603,14 +2603,14 @@
           <a:noFill/>
           <a:extLst>
             <a:ext uri="{909E8E84-426E-40dd-AFC4-6F175D3DCCD1}">
-              <a14:hiddenFill xmlns="" xmlns:a14="http://schemas.microsoft.com/office/drawing/2010/main">
+              <a14:hiddenFill xmlns:a14="http://schemas.microsoft.com/office/drawing/2010/main" xmlns="">
                 <a:solidFill>
                   <a:srgbClr val="FFFFFF"/>
                 </a:solidFill>
               </a14:hiddenFill>
             </a:ext>
             <a:ext uri="{91240B29-F687-4f45-9708-019B960494DF}">
-              <a14:hiddenLine xmlns="" xmlns:a14="http://schemas.microsoft.com/office/drawing/2010/main" w="9525">
+              <a14:hiddenLine xmlns:a14="http://schemas.microsoft.com/office/drawing/2010/main" xmlns="" w="9525">
                 <a:solidFill>
                   <a:srgbClr val="000000"/>
                 </a:solidFill>
@@ -2620,7 +2620,7 @@
               </a14:hiddenLine>
             </a:ext>
             <a:ext uri="{FAA26D3D-D897-4be2-8F04-BA451C77F1D7}">
-              <ma14:placeholderFlag xmlns="" xmlns:ma14="http://schemas.microsoft.com/office/mac/drawingml/2011/main" val="1"/>
+              <ma14:placeholderFlag xmlns:ma14="http://schemas.microsoft.com/office/mac/drawingml/2011/main" xmlns="" val="1"/>
             </a:ext>
           </a:extLst>
         </p:spPr>
@@ -2654,14 +2654,14 @@
           <a:noFill/>
           <a:extLst>
             <a:ext uri="{909E8E84-426E-40dd-AFC4-6F175D3DCCD1}">
-              <a14:hiddenFill xmlns="" xmlns:a14="http://schemas.microsoft.com/office/drawing/2010/main">
+              <a14:hiddenFill xmlns:a14="http://schemas.microsoft.com/office/drawing/2010/main" xmlns="">
                 <a:solidFill>
                   <a:srgbClr val="FFFFFF"/>
                 </a:solidFill>
               </a14:hiddenFill>
             </a:ext>
             <a:ext uri="{91240B29-F687-4f45-9708-019B960494DF}">
-              <a14:hiddenLine xmlns="" xmlns:a14="http://schemas.microsoft.com/office/drawing/2010/main" w="9525">
+              <a14:hiddenLine xmlns:a14="http://schemas.microsoft.com/office/drawing/2010/main" xmlns="" w="9525">
                 <a:solidFill>
                   <a:srgbClr val="000000"/>
                 </a:solidFill>
@@ -2841,14 +2841,14 @@
           <a:noFill/>
           <a:extLst>
             <a:ext uri="{909E8E84-426E-40dd-AFC4-6F175D3DCCD1}">
-              <a14:hiddenFill xmlns="" xmlns:a14="http://schemas.microsoft.com/office/drawing/2010/main">
+              <a14:hiddenFill xmlns:a14="http://schemas.microsoft.com/office/drawing/2010/main" xmlns="">
                 <a:solidFill>
                   <a:srgbClr val="FFFFFF"/>
                 </a:solidFill>
               </a14:hiddenFill>
             </a:ext>
             <a:ext uri="{91240B29-F687-4f45-9708-019B960494DF}">
-              <a14:hiddenLine xmlns="" xmlns:a14="http://schemas.microsoft.com/office/drawing/2010/main" w="9525">
+              <a14:hiddenLine xmlns:a14="http://schemas.microsoft.com/office/drawing/2010/main" xmlns="" w="9525">
                 <a:solidFill>
                   <a:srgbClr val="000000"/>
                 </a:solidFill>
@@ -3012,7 +3012,7 @@
           </a:ln>
           <a:extLst>
             <a:ext uri="{FAA26D3D-D897-4be2-8F04-BA451C77F1D7}">
-              <ma14:placeholderFlag xmlns="" xmlns:ma14="http://schemas.microsoft.com/office/mac/drawingml/2011/main" val="1"/>
+              <ma14:placeholderFlag xmlns:ma14="http://schemas.microsoft.com/office/mac/drawingml/2011/main" xmlns="" val="1"/>
             </a:ext>
           </a:extLst>
         </p:spPr>
@@ -3041,7 +3041,7 @@
           </a:ln>
           <a:extLst>
             <a:ext uri="{FAA26D3D-D897-4be2-8F04-BA451C77F1D7}">
-              <ma14:placeholderFlag xmlns="" xmlns:ma14="http://schemas.microsoft.com/office/mac/drawingml/2011/main" val="1"/>
+              <ma14:placeholderFlag xmlns:ma14="http://schemas.microsoft.com/office/mac/drawingml/2011/main" xmlns="" val="1"/>
             </a:ext>
           </a:extLst>
         </p:spPr>
@@ -3106,14 +3106,14 @@
           <a:noFill/>
           <a:extLst>
             <a:ext uri="{909E8E84-426E-40dd-AFC4-6F175D3DCCD1}">
-              <a14:hiddenFill xmlns="" xmlns:a14="http://schemas.microsoft.com/office/drawing/2010/main">
+              <a14:hiddenFill xmlns:a14="http://schemas.microsoft.com/office/drawing/2010/main" xmlns="">
                 <a:solidFill>
                   <a:srgbClr val="FFFFFF"/>
                 </a:solidFill>
               </a14:hiddenFill>
             </a:ext>
             <a:ext uri="{91240B29-F687-4f45-9708-019B960494DF}">
-              <a14:hiddenLine xmlns="" xmlns:a14="http://schemas.microsoft.com/office/drawing/2010/main" w="9525">
+              <a14:hiddenLine xmlns:a14="http://schemas.microsoft.com/office/drawing/2010/main" xmlns="" w="9525">
                 <a:solidFill>
                   <a:srgbClr val="000000"/>
                 </a:solidFill>
@@ -3277,7 +3277,7 @@
           </a:ln>
           <a:extLst>
             <a:ext uri="{FAA26D3D-D897-4be2-8F04-BA451C77F1D7}">
-              <ma14:placeholderFlag xmlns="" xmlns:ma14="http://schemas.microsoft.com/office/mac/drawingml/2011/main" val="1"/>
+              <ma14:placeholderFlag xmlns:ma14="http://schemas.microsoft.com/office/mac/drawingml/2011/main" xmlns="" val="1"/>
             </a:ext>
           </a:extLst>
         </p:spPr>
@@ -3306,7 +3306,7 @@
           </a:ln>
           <a:extLst>
             <a:ext uri="{FAA26D3D-D897-4be2-8F04-BA451C77F1D7}">
-              <ma14:placeholderFlag xmlns="" xmlns:ma14="http://schemas.microsoft.com/office/mac/drawingml/2011/main" val="1"/>
+              <ma14:placeholderFlag xmlns:ma14="http://schemas.microsoft.com/office/mac/drawingml/2011/main" xmlns="" val="1"/>
             </a:ext>
           </a:extLst>
         </p:spPr>
@@ -3478,14 +3478,14 @@
           <a:noFill/>
           <a:extLst>
             <a:ext uri="{909E8E84-426E-40dd-AFC4-6F175D3DCCD1}">
-              <a14:hiddenFill xmlns="" xmlns:a14="http://schemas.microsoft.com/office/drawing/2010/main">
+              <a14:hiddenFill xmlns:a14="http://schemas.microsoft.com/office/drawing/2010/main" xmlns="">
                 <a:solidFill>
                   <a:srgbClr val="FFFFFF"/>
                 </a:solidFill>
               </a14:hiddenFill>
             </a:ext>
             <a:ext uri="{91240B29-F687-4f45-9708-019B960494DF}">
-              <a14:hiddenLine xmlns="" xmlns:a14="http://schemas.microsoft.com/office/drawing/2010/main" w="9525">
+              <a14:hiddenLine xmlns:a14="http://schemas.microsoft.com/office/drawing/2010/main" xmlns="" w="9525">
                 <a:solidFill>
                   <a:srgbClr val="000000"/>
                 </a:solidFill>
@@ -3649,7 +3649,7 @@
           </a:ln>
           <a:extLst>
             <a:ext uri="{FAA26D3D-D897-4be2-8F04-BA451C77F1D7}">
-              <ma14:placeholderFlag xmlns="" xmlns:ma14="http://schemas.microsoft.com/office/mac/drawingml/2011/main" val="1"/>
+              <ma14:placeholderFlag xmlns:ma14="http://schemas.microsoft.com/office/mac/drawingml/2011/main" xmlns="" val="1"/>
             </a:ext>
           </a:extLst>
         </p:spPr>
@@ -3678,7 +3678,7 @@
           </a:ln>
           <a:extLst>
             <a:ext uri="{FAA26D3D-D897-4be2-8F04-BA451C77F1D7}">
-              <ma14:placeholderFlag xmlns="" xmlns:ma14="http://schemas.microsoft.com/office/mac/drawingml/2011/main" val="1"/>
+              <ma14:placeholderFlag xmlns:ma14="http://schemas.microsoft.com/office/mac/drawingml/2011/main" xmlns="" val="1"/>
             </a:ext>
           </a:extLst>
         </p:spPr>
@@ -4690,14 +4690,14 @@
           </a:ln>
           <a:extLst>
             <a:ext uri="{909E8E84-426E-40dd-AFC4-6F175D3DCCD1}">
-              <a14:hiddenFill xmlns="" xmlns:a14="http://schemas.microsoft.com/office/drawing/2010/main">
+              <a14:hiddenFill xmlns:a14="http://schemas.microsoft.com/office/drawing/2010/main" xmlns="">
                 <a:solidFill>
                   <a:srgbClr val="FFFFFF"/>
                 </a:solidFill>
               </a14:hiddenFill>
             </a:ext>
             <a:ext uri="{91240B29-F687-4f45-9708-019B960494DF}">
-              <a14:hiddenLine xmlns="" xmlns:a14="http://schemas.microsoft.com/office/drawing/2010/main" w="9525">
+              <a14:hiddenLine xmlns:a14="http://schemas.microsoft.com/office/drawing/2010/main" xmlns="" w="9525">
                 <a:solidFill>
                   <a:srgbClr val="000000"/>
                 </a:solidFill>
@@ -6041,14 +6041,14 @@
           </a:ln>
           <a:extLst>
             <a:ext uri="{909E8E84-426E-40dd-AFC4-6F175D3DCCD1}">
-              <a14:hiddenFill xmlns="" xmlns:a14="http://schemas.microsoft.com/office/drawing/2010/main">
+              <a14:hiddenFill xmlns:a14="http://schemas.microsoft.com/office/drawing/2010/main" xmlns="">
                 <a:solidFill>
                   <a:srgbClr val="FFFFFF"/>
                 </a:solidFill>
               </a14:hiddenFill>
             </a:ext>
             <a:ext uri="{91240B29-F687-4f45-9708-019B960494DF}">
-              <a14:hiddenLine xmlns="" xmlns:a14="http://schemas.microsoft.com/office/drawing/2010/main" w="9525">
+              <a14:hiddenLine xmlns:a14="http://schemas.microsoft.com/office/drawing/2010/main" xmlns="" w="9525">
                 <a:solidFill>
                   <a:srgbClr val="000000"/>
                 </a:solidFill>
@@ -6058,7 +6058,7 @@
               </a14:hiddenLine>
             </a:ext>
             <a:ext uri="{FAA26D3D-D897-4be2-8F04-BA451C77F1D7}">
-              <ma14:placeholderFlag xmlns="" xmlns:ma14="http://schemas.microsoft.com/office/mac/drawingml/2011/main" val="1"/>
+              <ma14:placeholderFlag xmlns:ma14="http://schemas.microsoft.com/office/mac/drawingml/2011/main" xmlns="" val="1"/>
             </a:ext>
           </a:extLst>
         </p:spPr>
@@ -6102,14 +6102,14 @@
           </a:ln>
           <a:extLst>
             <a:ext uri="{909E8E84-426E-40dd-AFC4-6F175D3DCCD1}">
-              <a14:hiddenFill xmlns="" xmlns:a14="http://schemas.microsoft.com/office/drawing/2010/main">
+              <a14:hiddenFill xmlns:a14="http://schemas.microsoft.com/office/drawing/2010/main" xmlns="">
                 <a:solidFill>
                   <a:srgbClr val="FFFFFF"/>
                 </a:solidFill>
               </a14:hiddenFill>
             </a:ext>
             <a:ext uri="{91240B29-F687-4f45-9708-019B960494DF}">
-              <a14:hiddenLine xmlns="" xmlns:a14="http://schemas.microsoft.com/office/drawing/2010/main" w="9525">
+              <a14:hiddenLine xmlns:a14="http://schemas.microsoft.com/office/drawing/2010/main" xmlns="" w="9525">
                 <a:solidFill>
                   <a:srgbClr val="000000"/>
                 </a:solidFill>
@@ -6119,7 +6119,7 @@
               </a14:hiddenLine>
             </a:ext>
             <a:ext uri="{FAA26D3D-D897-4be2-8F04-BA451C77F1D7}">
-              <ma14:placeholderFlag xmlns="" xmlns:ma14="http://schemas.microsoft.com/office/mac/drawingml/2011/main" val="1"/>
+              <ma14:placeholderFlag xmlns:ma14="http://schemas.microsoft.com/office/mac/drawingml/2011/main" xmlns="" val="1"/>
             </a:ext>
           </a:extLst>
         </p:spPr>
@@ -6255,14 +6255,14 @@
           </a:ln>
           <a:extLst>
             <a:ext uri="{909E8E84-426E-40dd-AFC4-6F175D3DCCD1}">
-              <a14:hiddenFill xmlns="" xmlns:a14="http://schemas.microsoft.com/office/drawing/2010/main">
+              <a14:hiddenFill xmlns:a14="http://schemas.microsoft.com/office/drawing/2010/main" xmlns="">
                 <a:solidFill>
                   <a:srgbClr val="FFFFFF"/>
                 </a:solidFill>
               </a14:hiddenFill>
             </a:ext>
             <a:ext uri="{91240B29-F687-4f45-9708-019B960494DF}">
-              <a14:hiddenLine xmlns="" xmlns:a14="http://schemas.microsoft.com/office/drawing/2010/main" w="9525">
+              <a14:hiddenLine xmlns:a14="http://schemas.microsoft.com/office/drawing/2010/main" xmlns="" w="9525">
                 <a:solidFill>
                   <a:srgbClr val="000000"/>
                 </a:solidFill>
@@ -7738,7 +7738,7 @@
         <p:spPr>
           <a:xfrm>
             <a:off x="7176120" y="27692"/>
-            <a:ext cx="3456384" cy="864270"/>
+            <a:ext cx="4680520" cy="864270"/>
           </a:xfrm>
         </p:spPr>
         <p:txBody>
@@ -7750,7 +7750,7 @@
                 <a:latin typeface="Calibri" charset="0"/>
                 <a:ea typeface="ＭＳ Ｐゴシック" charset="0"/>
               </a:rPr>
-              <a:t>RNA sequence selection/depletion</a:t>
+              <a:t>RNA sequence enrichment (selection/depletion)</a:t>
             </a:r>
           </a:p>
         </p:txBody>
@@ -8134,14 +8134,14 @@
           </a:ln>
           <a:extLst>
             <a:ext uri="{909E8E84-426E-40dd-AFC4-6F175D3DCCD1}">
-              <a14:hiddenFill xmlns="" xmlns:a14="http://schemas.microsoft.com/office/drawing/2010/main">
+              <a14:hiddenFill xmlns:a14="http://schemas.microsoft.com/office/drawing/2010/main" xmlns="">
                 <a:solidFill>
                   <a:srgbClr val="FFFFFF"/>
                 </a:solidFill>
               </a14:hiddenFill>
             </a:ext>
             <a:ext uri="{91240B29-F687-4f45-9708-019B960494DF}">
-              <a14:hiddenLine xmlns="" xmlns:a14="http://schemas.microsoft.com/office/drawing/2010/main" w="9525">
+              <a14:hiddenLine xmlns:a14="http://schemas.microsoft.com/office/drawing/2010/main" xmlns="" w="9525">
                 <a:solidFill>
                   <a:srgbClr val="000000"/>
                 </a:solidFill>
@@ -9690,14 +9690,14 @@
           </a:ln>
           <a:extLst>
             <a:ext uri="{909E8E84-426E-40dd-AFC4-6F175D3DCCD1}">
-              <a14:hiddenFill xmlns="" xmlns:a14="http://schemas.microsoft.com/office/drawing/2010/main">
+              <a14:hiddenFill xmlns:a14="http://schemas.microsoft.com/office/drawing/2010/main" xmlns="">
                 <a:solidFill>
                   <a:srgbClr val="FFFFFF"/>
                 </a:solidFill>
               </a14:hiddenFill>
             </a:ext>
             <a:ext uri="{91240B29-F687-4f45-9708-019B960494DF}">
-              <a14:hiddenLine xmlns="" xmlns:a14="http://schemas.microsoft.com/office/drawing/2010/main" w="9525">
+              <a14:hiddenLine xmlns:a14="http://schemas.microsoft.com/office/drawing/2010/main" xmlns="" w="9525">
                 <a:solidFill>
                   <a:srgbClr val="000000"/>
                 </a:solidFill>
@@ -10167,14 +10167,14 @@
           </a:ln>
           <a:extLst>
             <a:ext uri="{909E8E84-426E-40dd-AFC4-6F175D3DCCD1}">
-              <a14:hiddenFill xmlns="" xmlns:a14="http://schemas.microsoft.com/office/drawing/2010/main">
+              <a14:hiddenFill xmlns:a14="http://schemas.microsoft.com/office/drawing/2010/main" xmlns="">
                 <a:solidFill>
                   <a:srgbClr val="FFFFFF"/>
                 </a:solidFill>
               </a14:hiddenFill>
             </a:ext>
             <a:ext uri="{91240B29-F687-4f45-9708-019B960494DF}">
-              <a14:hiddenLine xmlns="" xmlns:a14="http://schemas.microsoft.com/office/drawing/2010/main" w="9525">
+              <a14:hiddenLine xmlns:a14="http://schemas.microsoft.com/office/drawing/2010/main" xmlns="" w="9525">
                 <a:solidFill>
                   <a:srgbClr val="000000"/>
                 </a:solidFill>
@@ -10388,14 +10388,14 @@
           </a:ln>
           <a:extLst>
             <a:ext uri="{909E8E84-426E-40dd-AFC4-6F175D3DCCD1}">
-              <a14:hiddenFill xmlns:a14="http://schemas.microsoft.com/office/drawing/2010/main" xmlns="">
+              <a14:hiddenFill xmlns="" xmlns:a14="http://schemas.microsoft.com/office/drawing/2010/main">
                 <a:solidFill>
                   <a:srgbClr val="FFFFFF"/>
                 </a:solidFill>
               </a14:hiddenFill>
             </a:ext>
             <a:ext uri="{91240B29-F687-4f45-9708-019B960494DF}">
-              <a14:hiddenLine xmlns:a14="http://schemas.microsoft.com/office/drawing/2010/main" xmlns="" w="9525">
+              <a14:hiddenLine xmlns="" xmlns:a14="http://schemas.microsoft.com/office/drawing/2010/main" w="9525">
                 <a:solidFill>
                   <a:srgbClr val="000000"/>
                 </a:solidFill>
@@ -10669,20 +10669,6 @@
               <a:rPr lang="en-US" dirty="0"/>
               <a:t>Module 4: Alignment Free Expression Estimation</a:t>
             </a:r>
-          </a:p>
-          <a:p>
-            <a:pPr>
-              <a:defRPr/>
-            </a:pPr>
-            <a:r>
-              <a:rPr lang="en-US" dirty="0"/>
-              <a:t>Module 5: Single Cell RNA-</a:t>
-            </a:r>
-            <a:r>
-              <a:rPr lang="en-US" dirty="0" err="1"/>
-              <a:t>Seq</a:t>
-            </a:r>
-            <a:endParaRPr lang="en-US" dirty="0"/>
           </a:p>
           <a:p>
             <a:pPr marL="0" indent="0">
@@ -11656,14 +11642,14 @@
           </a:ln>
           <a:extLst>
             <a:ext uri="{909E8E84-426E-40dd-AFC4-6F175D3DCCD1}">
-              <a14:hiddenFill xmlns="" xmlns:a14="http://schemas.microsoft.com/office/drawing/2010/main">
+              <a14:hiddenFill xmlns:a14="http://schemas.microsoft.com/office/drawing/2010/main" xmlns="">
                 <a:solidFill>
                   <a:srgbClr val="FFFFFF"/>
                 </a:solidFill>
               </a14:hiddenFill>
             </a:ext>
             <a:ext uri="{91240B29-F687-4f45-9708-019B960494DF}">
-              <a14:hiddenLine xmlns="" xmlns:a14="http://schemas.microsoft.com/office/drawing/2010/main" w="9525">
+              <a14:hiddenLine xmlns:a14="http://schemas.microsoft.com/office/drawing/2010/main" xmlns="" w="9525">
                 <a:solidFill>
                   <a:srgbClr val="000000"/>
                 </a:solidFill>
@@ -11710,14 +11696,14 @@
           </a:ln>
           <a:extLst>
             <a:ext uri="{909E8E84-426E-40dd-AFC4-6F175D3DCCD1}">
-              <a14:hiddenFill xmlns="" xmlns:a14="http://schemas.microsoft.com/office/drawing/2010/main">
+              <a14:hiddenFill xmlns:a14="http://schemas.microsoft.com/office/drawing/2010/main" xmlns="">
                 <a:solidFill>
                   <a:srgbClr val="FFFFFF"/>
                 </a:solidFill>
               </a14:hiddenFill>
             </a:ext>
             <a:ext uri="{91240B29-F687-4f45-9708-019B960494DF}">
-              <a14:hiddenLine xmlns="" xmlns:a14="http://schemas.microsoft.com/office/drawing/2010/main" w="9525">
+              <a14:hiddenLine xmlns:a14="http://schemas.microsoft.com/office/drawing/2010/main" xmlns="" w="9525">
                 <a:solidFill>
                   <a:srgbClr val="000000"/>
                 </a:solidFill>
@@ -11751,14 +11737,14 @@
           </a:ln>
           <a:extLst>
             <a:ext uri="{909E8E84-426E-40dd-AFC4-6F175D3DCCD1}">
-              <a14:hiddenFill xmlns="" xmlns:a14="http://schemas.microsoft.com/office/drawing/2010/main">
+              <a14:hiddenFill xmlns:a14="http://schemas.microsoft.com/office/drawing/2010/main" xmlns="">
                 <a:solidFill>
                   <a:srgbClr val="FFFFFF"/>
                 </a:solidFill>
               </a14:hiddenFill>
             </a:ext>
             <a:ext uri="{91240B29-F687-4f45-9708-019B960494DF}">
-              <a14:hiddenLine xmlns="" xmlns:a14="http://schemas.microsoft.com/office/drawing/2010/main" w="9525">
+              <a14:hiddenLine xmlns:a14="http://schemas.microsoft.com/office/drawing/2010/main" xmlns="" w="9525">
                 <a:solidFill>
                   <a:srgbClr val="000000"/>
                 </a:solidFill>
@@ -11912,14 +11898,14 @@
           </a:ln>
           <a:extLst>
             <a:ext uri="{909E8E84-426E-40dd-AFC4-6F175D3DCCD1}">
-              <a14:hiddenFill xmlns="" xmlns:a14="http://schemas.microsoft.com/office/drawing/2010/main">
+              <a14:hiddenFill xmlns:a14="http://schemas.microsoft.com/office/drawing/2010/main" xmlns="">
                 <a:solidFill>
                   <a:srgbClr val="FFFFFF"/>
                 </a:solidFill>
               </a14:hiddenFill>
             </a:ext>
             <a:ext uri="{91240B29-F687-4f45-9708-019B960494DF}">
-              <a14:hiddenLine xmlns="" xmlns:a14="http://schemas.microsoft.com/office/drawing/2010/main" w="9525">
+              <a14:hiddenLine xmlns:a14="http://schemas.microsoft.com/office/drawing/2010/main" xmlns="" w="9525">
                 <a:solidFill>
                   <a:srgbClr val="000000"/>
                 </a:solidFill>
